--- a/Organization/Poster Praktikum2.pptx
+++ b/Organization/Poster Praktikum2.pptx
@@ -5231,7 +5231,7 @@
           <a:graphicData uri="http://schemas.openxmlformats.org/presentationml/2006/ole">
             <mc:AlternateContent xmlns:mc="http://schemas.openxmlformats.org/markup-compatibility/2006">
               <mc:Choice xmlns:v="urn:schemas-microsoft-com:vml" Requires="v">
-                <p:oleObj spid="_x0000_s1026" r:id="rId4" imgW="1047896" imgH="1047896" progId="">
+                <p:oleObj spid="_x0000_s1029" r:id="rId4" imgW="1047896" imgH="1047896" progId="">
                   <p:embed/>
                 </p:oleObj>
               </mc:Choice>
@@ -6588,7 +6588,7 @@
             </a:r>
           </a:p>
           <a:p>
-            <a:pPr marL="0" marR="0" lvl="0" indent="0" algn="l" rtl="0" hangingPunct="1">
+            <a:pPr marL="0" marR="0" lvl="0" indent="0" rtl="0" hangingPunct="1">
               <a:lnSpc>
                 <a:spcPct val="100000"/>
               </a:lnSpc>
@@ -6609,21 +6609,17 @@
               </a:tabLst>
               <a:defRPr sz="6000"/>
             </a:pPr>
-            <a:endParaRPr lang="de-DE" sz="6600" b="0" i="0" u="sng" strike="noStrike" baseline="0" dirty="0">
-              <a:ln>
-                <a:noFill/>
-              </a:ln>
+            <a:endParaRPr lang="de-DE" sz="6600" u="sng" dirty="0">
               <a:solidFill>
                 <a:srgbClr val="004A97"/>
               </a:solidFill>
-              <a:uFillTx/>
               <a:latin typeface="Times New Roman" pitchFamily="18"/>
               <a:ea typeface="Geneva" pitchFamily="50"/>
               <a:cs typeface="Geneva" pitchFamily="50"/>
             </a:endParaRPr>
           </a:p>
           <a:p>
-            <a:pPr marL="0" marR="0" lvl="0" indent="0" algn="l" rtl="0" hangingPunct="1">
+            <a:pPr marL="0" marR="0" lvl="0" indent="0" rtl="0" hangingPunct="1">
               <a:lnSpc>
                 <a:spcPct val="100000"/>
               </a:lnSpc>
@@ -6644,6 +6640,20 @@
               </a:tabLst>
               <a:defRPr sz="6000"/>
             </a:pPr>
+            <a:r>
+              <a:rPr lang="de-DE" sz="4200" b="1" i="0" u="none" strike="noStrike" baseline="0" dirty="0">
+                <a:ln>
+                  <a:noFill/>
+                </a:ln>
+                <a:solidFill>
+                  <a:srgbClr val="004A97"/>
+                </a:solidFill>
+                <a:latin typeface="Times New Roman" pitchFamily="18"/>
+                <a:ea typeface="Geneva" pitchFamily="50"/>
+                <a:cs typeface="Geneva" pitchFamily="50"/>
+              </a:rPr>
+              <a:t>Andriod App: </a:t>
+            </a:r>
             <a:r>
               <a:rPr lang="de-DE" sz="4200" b="0" i="0" u="none" strike="noStrike" baseline="0" dirty="0">
                 <a:ln>
@@ -6656,11 +6666,11 @@
                 <a:ea typeface="Geneva" pitchFamily="50"/>
                 <a:cs typeface="Geneva" pitchFamily="50"/>
               </a:rPr>
-              <a:t>                        Connects to the SmartMug</a:t>
-            </a:r>
-          </a:p>
-          <a:p>
-            <a:pPr marL="0" marR="0" lvl="0" indent="0" algn="l" rtl="0" hangingPunct="1">
+              <a:t>Connects to the SmartMug</a:t>
+            </a:r>
+          </a:p>
+          <a:p>
+            <a:pPr marL="0" marR="0" lvl="0" indent="0" rtl="0" hangingPunct="1">
               <a:lnSpc>
                 <a:spcPct val="100000"/>
               </a:lnSpc>
@@ -6697,7 +6707,7 @@
             </a:r>
           </a:p>
           <a:p>
-            <a:pPr marL="0" marR="0" lvl="0" indent="0" algn="l" rtl="0" hangingPunct="1">
+            <a:pPr marL="0" marR="0" lvl="0" indent="0" rtl="0" hangingPunct="1">
               <a:lnSpc>
                 <a:spcPct val="100000"/>
               </a:lnSpc>
@@ -6731,7 +6741,7 @@
             </a:endParaRPr>
           </a:p>
           <a:p>
-            <a:pPr marL="0" marR="0" lvl="0" indent="0" algn="l" rtl="0" hangingPunct="1">
+            <a:pPr marL="0" marR="0" lvl="0" indent="0" rtl="0" hangingPunct="1">
               <a:lnSpc>
                 <a:spcPct val="100000"/>
               </a:lnSpc>
@@ -6752,6 +6762,20 @@
               </a:tabLst>
               <a:defRPr sz="6000"/>
             </a:pPr>
+            <a:r>
+              <a:rPr lang="de-DE" sz="4200" b="1" i="0" u="none" strike="noStrike" baseline="0" dirty="0">
+                <a:ln>
+                  <a:noFill/>
+                </a:ln>
+                <a:solidFill>
+                  <a:srgbClr val="004A97"/>
+                </a:solidFill>
+                <a:latin typeface="Times New Roman" pitchFamily="18"/>
+                <a:ea typeface="Geneva" pitchFamily="50"/>
+                <a:cs typeface="Geneva" pitchFamily="50"/>
+              </a:rPr>
+              <a:t>Wifi access: </a:t>
+            </a:r>
             <a:r>
               <a:rPr lang="de-DE" sz="4200" b="0" i="0" u="none" strike="noStrike" baseline="0" dirty="0">
                 <a:ln>
@@ -6764,11 +6788,11 @@
                 <a:ea typeface="Geneva" pitchFamily="50"/>
                 <a:cs typeface="Geneva" pitchFamily="50"/>
               </a:rPr>
-              <a:t>                        Wireless Communication</a:t>
-            </a:r>
-          </a:p>
-          <a:p>
-            <a:pPr marL="0" marR="0" lvl="0" indent="0" algn="l" rtl="0" hangingPunct="1">
+              <a:t>Wireless Communication</a:t>
+            </a:r>
+          </a:p>
+          <a:p>
+            <a:pPr marL="0" marR="0" lvl="0" indent="0" rtl="0" hangingPunct="1">
               <a:lnSpc>
                 <a:spcPct val="100000"/>
               </a:lnSpc>
@@ -6805,7 +6829,7 @@
             </a:r>
           </a:p>
           <a:p>
-            <a:pPr marL="0" marR="0" lvl="0" indent="0" algn="l" rtl="0" hangingPunct="1">
+            <a:pPr marL="0" marR="0" lvl="0" indent="0" rtl="0" hangingPunct="1">
               <a:lnSpc>
                 <a:spcPct val="100000"/>
               </a:lnSpc>
@@ -6839,7 +6863,7 @@
             </a:endParaRPr>
           </a:p>
           <a:p>
-            <a:pPr marL="0" marR="0" lvl="0" indent="0" algn="l" rtl="0" hangingPunct="1">
+            <a:pPr marL="0" marR="0" lvl="0" indent="0" rtl="0" hangingPunct="1">
               <a:lnSpc>
                 <a:spcPct val="100000"/>
               </a:lnSpc>
@@ -6860,6 +6884,20 @@
               </a:tabLst>
               <a:defRPr sz="6000"/>
             </a:pPr>
+            <a:r>
+              <a:rPr lang="de-DE" sz="4200" b="1" i="0" u="none" strike="noStrike" baseline="0" dirty="0">
+                <a:ln>
+                  <a:noFill/>
+                </a:ln>
+                <a:solidFill>
+                  <a:srgbClr val="004A97"/>
+                </a:solidFill>
+                <a:latin typeface="Times New Roman" pitchFamily="18"/>
+                <a:ea typeface="Geneva" pitchFamily="50"/>
+                <a:cs typeface="Geneva" pitchFamily="50"/>
+              </a:rPr>
+              <a:t>Mug: </a:t>
+            </a:r>
             <a:r>
               <a:rPr lang="de-DE" sz="4200" b="0" i="0" u="none" strike="noStrike" baseline="0" dirty="0">
                 <a:ln>
@@ -6872,11 +6910,11 @@
                 <a:ea typeface="Geneva" pitchFamily="50"/>
                 <a:cs typeface="Geneva" pitchFamily="50"/>
               </a:rPr>
-              <a:t>                        Standard Mug</a:t>
-            </a:r>
-          </a:p>
-          <a:p>
-            <a:pPr marL="0" marR="0" lvl="0" indent="0" algn="l" rtl="0" hangingPunct="1">
+              <a:t>Standard Mug</a:t>
+            </a:r>
+          </a:p>
+          <a:p>
+            <a:pPr marL="0" marR="0" lvl="0" indent="0" rtl="0" hangingPunct="1">
               <a:lnSpc>
                 <a:spcPct val="100000"/>
               </a:lnSpc>
@@ -6910,7 +6948,7 @@
             </a:endParaRPr>
           </a:p>
           <a:p>
-            <a:pPr marL="0" marR="0" lvl="0" indent="0" algn="l" rtl="0" hangingPunct="1">
+            <a:pPr marL="0" marR="0" lvl="0" indent="0" rtl="0" hangingPunct="1">
               <a:lnSpc>
                 <a:spcPct val="100000"/>
               </a:lnSpc>
@@ -6944,7 +6982,7 @@
             </a:endParaRPr>
           </a:p>
           <a:p>
-            <a:pPr marL="0" marR="0" lvl="0" indent="0" algn="l" rtl="0" hangingPunct="1">
+            <a:pPr marL="0" marR="0" lvl="0" indent="0" rtl="0" hangingPunct="1">
               <a:lnSpc>
                 <a:spcPct val="100000"/>
               </a:lnSpc>
@@ -6965,6 +7003,20 @@
               </a:tabLst>
               <a:defRPr sz="6000"/>
             </a:pPr>
+            <a:r>
+              <a:rPr lang="de-DE" sz="4200" b="1" i="0" u="none" strike="noStrike" baseline="0" dirty="0">
+                <a:ln>
+                  <a:noFill/>
+                </a:ln>
+                <a:solidFill>
+                  <a:srgbClr val="004A97"/>
+                </a:solidFill>
+                <a:latin typeface="Times New Roman" pitchFamily="18"/>
+                <a:ea typeface="Geneva" pitchFamily="50"/>
+                <a:cs typeface="Geneva" pitchFamily="50"/>
+              </a:rPr>
+              <a:t>Smart mug: </a:t>
+            </a:r>
             <a:r>
               <a:rPr lang="de-DE" sz="4200" b="0" i="0" u="none" strike="noStrike" baseline="0" dirty="0">
                 <a:ln>
@@ -6977,7 +7029,7 @@
                 <a:ea typeface="Geneva" pitchFamily="50"/>
                 <a:cs typeface="Geneva" pitchFamily="50"/>
               </a:rPr>
-              <a:t>                        Extension to make your mug smart</a:t>
+              <a:t>Extension to make your mug smart</a:t>
             </a:r>
           </a:p>
         </p:txBody>
@@ -9986,262 +10038,6 @@
           </a:p>
         </p:txBody>
       </p:sp>
-      <p:pic>
-        <p:nvPicPr>
-          <p:cNvPr id="51" name=""/>
-          <p:cNvPicPr>
-            <a:picLocks noChangeAspect="1"/>
-          </p:cNvPicPr>
-          <p:nvPr/>
-        </p:nvPicPr>
-        <p:blipFill>
-          <a:blip r:embed="rId12">
-            <a:lum/>
-            <a:alphaModFix/>
-          </a:blip>
-          <a:srcRect/>
-          <a:stretch>
-            <a:fillRect/>
-          </a:stretch>
-        </p:blipFill>
-        <p:spPr>
-          <a:xfrm>
-            <a:off x="2808000" y="14256000"/>
-            <a:ext cx="1659240" cy="1007999"/>
-          </a:xfrm>
-          <a:prstGeom prst="rect">
-            <a:avLst/>
-          </a:prstGeom>
-          <a:noFill/>
-          <a:ln>
-            <a:noFill/>
-          </a:ln>
-        </p:spPr>
-      </p:pic>
-      <p:pic>
-        <p:nvPicPr>
-          <p:cNvPr id="52" name=""/>
-          <p:cNvPicPr>
-            <a:picLocks noChangeAspect="1"/>
-          </p:cNvPicPr>
-          <p:nvPr/>
-        </p:nvPicPr>
-        <p:blipFill>
-          <a:blip r:embed="rId12">
-            <a:lum/>
-            <a:alphaModFix/>
-          </a:blip>
-          <a:srcRect/>
-          <a:stretch>
-            <a:fillRect/>
-          </a:stretch>
-        </p:blipFill>
-        <p:spPr>
-          <a:xfrm>
-            <a:off x="9428986" y="29261804"/>
-            <a:ext cx="1659240" cy="1007999"/>
-          </a:xfrm>
-          <a:prstGeom prst="rect">
-            <a:avLst/>
-          </a:prstGeom>
-          <a:noFill/>
-          <a:ln>
-            <a:noFill/>
-          </a:ln>
-        </p:spPr>
-      </p:pic>
-      <p:pic>
-        <p:nvPicPr>
-          <p:cNvPr id="53" name=""/>
-          <p:cNvPicPr>
-            <a:picLocks noChangeAspect="1"/>
-          </p:cNvPicPr>
-          <p:nvPr/>
-        </p:nvPicPr>
-        <p:blipFill>
-          <a:blip r:embed="rId13">
-            <a:lum/>
-            <a:alphaModFix/>
-          </a:blip>
-          <a:srcRect/>
-          <a:stretch>
-            <a:fillRect/>
-          </a:stretch>
-        </p:blipFill>
-        <p:spPr>
-          <a:xfrm>
-            <a:off x="21507154" y="10811957"/>
-            <a:ext cx="1658879" cy="1511640"/>
-          </a:xfrm>
-          <a:prstGeom prst="rect">
-            <a:avLst/>
-          </a:prstGeom>
-          <a:noFill/>
-          <a:ln>
-            <a:noFill/>
-          </a:ln>
-        </p:spPr>
-      </p:pic>
-      <p:pic>
-        <p:nvPicPr>
-          <p:cNvPr id="54" name=""/>
-          <p:cNvPicPr>
-            <a:picLocks noChangeAspect="1"/>
-          </p:cNvPicPr>
-          <p:nvPr/>
-        </p:nvPicPr>
-        <p:blipFill>
-          <a:blip r:embed="rId14">
-            <a:lum/>
-            <a:alphaModFix/>
-          </a:blip>
-          <a:srcRect/>
-          <a:stretch>
-            <a:fillRect/>
-          </a:stretch>
-        </p:blipFill>
-        <p:spPr>
-          <a:xfrm>
-            <a:off x="2736000" y="12600000"/>
-            <a:ext cx="1224000" cy="1224000"/>
-          </a:xfrm>
-          <a:prstGeom prst="rect">
-            <a:avLst/>
-          </a:prstGeom>
-          <a:noFill/>
-          <a:ln>
-            <a:noFill/>
-          </a:ln>
-        </p:spPr>
-      </p:pic>
-      <p:pic>
-        <p:nvPicPr>
-          <p:cNvPr id="55" name=""/>
-          <p:cNvPicPr>
-            <a:picLocks noChangeAspect="1"/>
-          </p:cNvPicPr>
-          <p:nvPr/>
-        </p:nvPicPr>
-        <p:blipFill>
-          <a:blip r:embed="rId15">
-            <a:lum/>
-            <a:alphaModFix/>
-          </a:blip>
-          <a:srcRect/>
-          <a:stretch>
-            <a:fillRect/>
-          </a:stretch>
-        </p:blipFill>
-        <p:spPr>
-          <a:xfrm>
-            <a:off x="2824200" y="17496000"/>
-            <a:ext cx="1512000" cy="1296000"/>
-          </a:xfrm>
-          <a:prstGeom prst="rect">
-            <a:avLst/>
-          </a:prstGeom>
-          <a:noFill/>
-          <a:ln>
-            <a:noFill/>
-          </a:ln>
-        </p:spPr>
-      </p:pic>
-      <p:pic>
-        <p:nvPicPr>
-          <p:cNvPr id="56" name=""/>
-          <p:cNvPicPr>
-            <a:picLocks noChangeAspect="1"/>
-          </p:cNvPicPr>
-          <p:nvPr/>
-        </p:nvPicPr>
-        <p:blipFill>
-          <a:blip r:embed="rId15">
-            <a:lum/>
-            <a:alphaModFix/>
-          </a:blip>
-          <a:srcRect/>
-          <a:stretch>
-            <a:fillRect/>
-          </a:stretch>
-        </p:blipFill>
-        <p:spPr>
-          <a:xfrm>
-            <a:off x="9288929" y="19912581"/>
-            <a:ext cx="1512000" cy="1296000"/>
-          </a:xfrm>
-          <a:prstGeom prst="rect">
-            <a:avLst/>
-          </a:prstGeom>
-          <a:noFill/>
-          <a:ln>
-            <a:noFill/>
-          </a:ln>
-        </p:spPr>
-      </p:pic>
-      <p:pic>
-        <p:nvPicPr>
-          <p:cNvPr id="57" name=""/>
-          <p:cNvPicPr>
-            <a:picLocks noChangeAspect="1"/>
-          </p:cNvPicPr>
-          <p:nvPr/>
-        </p:nvPicPr>
-        <p:blipFill>
-          <a:blip r:embed="rId16">
-            <a:lum/>
-            <a:alphaModFix/>
-          </a:blip>
-          <a:srcRect/>
-          <a:stretch>
-            <a:fillRect/>
-          </a:stretch>
-        </p:blipFill>
-        <p:spPr>
-          <a:xfrm>
-            <a:off x="3024000" y="15767999"/>
-            <a:ext cx="1080000" cy="1162080"/>
-          </a:xfrm>
-          <a:prstGeom prst="rect">
-            <a:avLst/>
-          </a:prstGeom>
-          <a:noFill/>
-          <a:ln>
-            <a:noFill/>
-          </a:ln>
-        </p:spPr>
-      </p:pic>
-      <p:pic>
-        <p:nvPicPr>
-          <p:cNvPr id="58" name=""/>
-          <p:cNvPicPr>
-            <a:picLocks noChangeAspect="1"/>
-          </p:cNvPicPr>
-          <p:nvPr/>
-        </p:nvPicPr>
-        <p:blipFill>
-          <a:blip r:embed="rId14">
-            <a:lum/>
-            <a:alphaModFix/>
-          </a:blip>
-          <a:srcRect/>
-          <a:stretch>
-            <a:fillRect/>
-          </a:stretch>
-        </p:blipFill>
-        <p:spPr>
-          <a:xfrm>
-            <a:off x="22498199" y="20051462"/>
-            <a:ext cx="1083600" cy="1008359"/>
-          </a:xfrm>
-          <a:prstGeom prst="rect">
-            <a:avLst/>
-          </a:prstGeom>
-          <a:noFill/>
-          <a:ln>
-            <a:noFill/>
-          </a:ln>
-        </p:spPr>
-      </p:pic>
       <p:graphicFrame>
         <p:nvGraphicFramePr>
           <p:cNvPr id="25" name="Tabla 24"/>

--- a/Organization/Poster Praktikum2.pptx
+++ b/Organization/Poster Praktikum2.pptx
@@ -5231,7 +5231,7 @@
           <a:graphicData uri="http://schemas.openxmlformats.org/presentationml/2006/ole">
             <mc:AlternateContent xmlns:mc="http://schemas.openxmlformats.org/markup-compatibility/2006">
               <mc:Choice xmlns:v="urn:schemas-microsoft-com:vml" Requires="v">
-                <p:oleObj spid="_x0000_s1029" r:id="rId4" imgW="1047896" imgH="1047896" progId="">
+                <p:oleObj spid="_x0000_s1030" r:id="rId4" imgW="1047896" imgH="1047896" progId="">
                   <p:embed/>
                 </p:oleObj>
               </mc:Choice>
@@ -7575,7 +7575,7 @@
         </p:blipFill>
         <p:spPr>
           <a:xfrm>
-            <a:off x="14904000" y="1549086"/>
+            <a:off x="15051485" y="2139027"/>
             <a:ext cx="3784319" cy="6968016"/>
           </a:xfrm>
           <a:prstGeom prst="rect">

--- a/Organization/Poster Praktikum2.pptx
+++ b/Organization/Poster Praktikum2.pptx
@@ -111,6 +111,11 @@
       </a:defRPr>
     </a:lvl9pPr>
   </p:defaultTextStyle>
+  <p:extLst>
+    <p:ext uri="{EFAFB233-063F-42B5-8137-9DF3F51BA10A}">
+      <p15:sldGuideLst xmlns:p15="http://schemas.microsoft.com/office/powerpoint/2012/main"/>
+    </p:ext>
+  </p:extLst>
 </p:presentation>
 </file>
 
@@ -793,7 +798,6 @@
               <a:rPr lang="es-ES"/>
               <a:t>Haga clic para modificar el estilo de título del patrón</a:t>
             </a:r>
-            <a:endParaRPr lang="es-ES"/>
           </a:p>
         </p:txBody>
       </p:sp>
@@ -858,7 +862,6 @@
               <a:rPr lang="es-ES"/>
               <a:t>Haga clic para editar el estilo de subtítulo del patrón</a:t>
             </a:r>
-            <a:endParaRPr lang="es-ES"/>
           </a:p>
         </p:txBody>
       </p:sp>
@@ -911,7 +914,6 @@
               <a:rPr lang="es-ES"/>
               <a:t>Haga clic para modificar el estilo de título del patrón</a:t>
             </a:r>
-            <a:endParaRPr lang="es-ES"/>
           </a:p>
         </p:txBody>
       </p:sp>
@@ -963,7 +965,6 @@
               <a:rPr lang="es-ES"/>
               <a:t>Quinto nivel</a:t>
             </a:r>
-            <a:endParaRPr lang="es-ES"/>
           </a:p>
         </p:txBody>
       </p:sp>
@@ -1021,7 +1022,6 @@
               <a:rPr lang="es-ES"/>
               <a:t>Haga clic para modificar el estilo de título del patrón</a:t>
             </a:r>
-            <a:endParaRPr lang="es-ES"/>
           </a:p>
         </p:txBody>
       </p:sp>
@@ -1078,7 +1078,6 @@
               <a:rPr lang="es-ES"/>
               <a:t>Quinto nivel</a:t>
             </a:r>
-            <a:endParaRPr lang="es-ES"/>
           </a:p>
         </p:txBody>
       </p:sp>
@@ -1140,7 +1139,6 @@
               <a:rPr lang="es-ES"/>
               <a:t>Haga clic para modificar el estilo de título del patrón</a:t>
             </a:r>
-            <a:endParaRPr lang="es-ES"/>
           </a:p>
         </p:txBody>
       </p:sp>
@@ -1205,7 +1203,6 @@
               <a:rPr lang="es-ES"/>
               <a:t>Haga clic para editar el estilo de subtítulo del patrón</a:t>
             </a:r>
-            <a:endParaRPr lang="es-ES"/>
           </a:p>
         </p:txBody>
       </p:sp>
@@ -1258,7 +1255,6 @@
               <a:rPr lang="es-ES"/>
               <a:t>Haga clic para modificar el estilo de título del patrón</a:t>
             </a:r>
-            <a:endParaRPr lang="es-ES"/>
           </a:p>
         </p:txBody>
       </p:sp>
@@ -1310,7 +1306,6 @@
               <a:rPr lang="es-ES"/>
               <a:t>Quinto nivel</a:t>
             </a:r>
-            <a:endParaRPr lang="es-ES"/>
           </a:p>
         </p:txBody>
       </p:sp>
@@ -1372,7 +1367,6 @@
               <a:rPr lang="es-ES"/>
               <a:t>Haga clic para modificar el estilo de título del patrón</a:t>
             </a:r>
-            <a:endParaRPr lang="es-ES"/>
           </a:p>
         </p:txBody>
       </p:sp>
@@ -1544,7 +1538,6 @@
               <a:rPr lang="es-ES"/>
               <a:t>Haga clic para modificar el estilo de título del patrón</a:t>
             </a:r>
-            <a:endParaRPr lang="es-ES"/>
           </a:p>
         </p:txBody>
       </p:sp>
@@ -1601,7 +1594,6 @@
               <a:rPr lang="es-ES"/>
               <a:t>Quinto nivel</a:t>
             </a:r>
-            <a:endParaRPr lang="es-ES"/>
           </a:p>
         </p:txBody>
       </p:sp>
@@ -1658,7 +1650,6 @@
               <a:rPr lang="es-ES"/>
               <a:t>Quinto nivel</a:t>
             </a:r>
-            <a:endParaRPr lang="es-ES"/>
           </a:p>
         </p:txBody>
       </p:sp>
@@ -1716,7 +1707,6 @@
               <a:rPr lang="es-ES"/>
               <a:t>Haga clic para modificar el estilo de título del patrón</a:t>
             </a:r>
-            <a:endParaRPr lang="es-ES"/>
           </a:p>
         </p:txBody>
       </p:sp>
@@ -1838,7 +1828,6 @@
               <a:rPr lang="es-ES"/>
               <a:t>Quinto nivel</a:t>
             </a:r>
-            <a:endParaRPr lang="es-ES"/>
           </a:p>
         </p:txBody>
       </p:sp>
@@ -1960,7 +1949,6 @@
               <a:rPr lang="es-ES"/>
               <a:t>Quinto nivel</a:t>
             </a:r>
-            <a:endParaRPr lang="es-ES"/>
           </a:p>
         </p:txBody>
       </p:sp>
@@ -2013,7 +2001,6 @@
               <a:rPr lang="es-ES"/>
               <a:t>Haga clic para modificar el estilo de título del patrón</a:t>
             </a:r>
-            <a:endParaRPr lang="es-ES"/>
           </a:p>
         </p:txBody>
       </p:sp>
@@ -2106,7 +2093,6 @@
               <a:rPr lang="es-ES"/>
               <a:t>Haga clic para modificar el estilo de título del patrón</a:t>
             </a:r>
-            <a:endParaRPr lang="es-ES"/>
           </a:p>
         </p:txBody>
       </p:sp>
@@ -2191,7 +2177,6 @@
               <a:rPr lang="es-ES"/>
               <a:t>Quinto nivel</a:t>
             </a:r>
-            <a:endParaRPr lang="es-ES"/>
           </a:p>
         </p:txBody>
       </p:sp>
@@ -2309,7 +2294,6 @@
               <a:rPr lang="es-ES"/>
               <a:t>Haga clic para modificar el estilo de título del patrón</a:t>
             </a:r>
-            <a:endParaRPr lang="es-ES"/>
           </a:p>
         </p:txBody>
       </p:sp>
@@ -2361,7 +2345,6 @@
               <a:rPr lang="es-ES"/>
               <a:t>Quinto nivel</a:t>
             </a:r>
-            <a:endParaRPr lang="es-ES"/>
           </a:p>
         </p:txBody>
       </p:sp>
@@ -2423,7 +2406,6 @@
               <a:rPr lang="es-ES"/>
               <a:t>Haga clic para modificar el estilo de título del patrón</a:t>
             </a:r>
-            <a:endParaRPr lang="es-ES"/>
           </a:p>
         </p:txBody>
       </p:sp>
@@ -2602,7 +2584,6 @@
               <a:rPr lang="es-ES"/>
               <a:t>Haga clic para modificar el estilo de título del patrón</a:t>
             </a:r>
-            <a:endParaRPr lang="es-ES"/>
           </a:p>
         </p:txBody>
       </p:sp>
@@ -2654,7 +2635,6 @@
               <a:rPr lang="es-ES"/>
               <a:t>Quinto nivel</a:t>
             </a:r>
-            <a:endParaRPr lang="es-ES"/>
           </a:p>
         </p:txBody>
       </p:sp>
@@ -2712,7 +2692,6 @@
               <a:rPr lang="es-ES"/>
               <a:t>Haga clic para modificar el estilo de título del patrón</a:t>
             </a:r>
-            <a:endParaRPr lang="es-ES"/>
           </a:p>
         </p:txBody>
       </p:sp>
@@ -2769,7 +2748,6 @@
               <a:rPr lang="es-ES"/>
               <a:t>Quinto nivel</a:t>
             </a:r>
-            <a:endParaRPr lang="es-ES"/>
           </a:p>
         </p:txBody>
       </p:sp>
@@ -2831,7 +2809,6 @@
               <a:rPr lang="es-ES"/>
               <a:t>Haga clic para modificar el estilo de título del patrón</a:t>
             </a:r>
-            <a:endParaRPr lang="es-ES"/>
           </a:p>
         </p:txBody>
       </p:sp>
@@ -3003,7 +2980,6 @@
               <a:rPr lang="es-ES"/>
               <a:t>Haga clic para modificar el estilo de título del patrón</a:t>
             </a:r>
-            <a:endParaRPr lang="es-ES"/>
           </a:p>
         </p:txBody>
       </p:sp>
@@ -3060,7 +3036,6 @@
               <a:rPr lang="es-ES"/>
               <a:t>Quinto nivel</a:t>
             </a:r>
-            <a:endParaRPr lang="es-ES"/>
           </a:p>
         </p:txBody>
       </p:sp>
@@ -3117,7 +3092,6 @@
               <a:rPr lang="es-ES"/>
               <a:t>Quinto nivel</a:t>
             </a:r>
-            <a:endParaRPr lang="es-ES"/>
           </a:p>
         </p:txBody>
       </p:sp>
@@ -3175,7 +3149,6 @@
               <a:rPr lang="es-ES"/>
               <a:t>Haga clic para modificar el estilo de título del patrón</a:t>
             </a:r>
-            <a:endParaRPr lang="es-ES"/>
           </a:p>
         </p:txBody>
       </p:sp>
@@ -3297,7 +3270,6 @@
               <a:rPr lang="es-ES"/>
               <a:t>Quinto nivel</a:t>
             </a:r>
-            <a:endParaRPr lang="es-ES"/>
           </a:p>
         </p:txBody>
       </p:sp>
@@ -3419,7 +3391,6 @@
               <a:rPr lang="es-ES"/>
               <a:t>Quinto nivel</a:t>
             </a:r>
-            <a:endParaRPr lang="es-ES"/>
           </a:p>
         </p:txBody>
       </p:sp>
@@ -3472,7 +3443,6 @@
               <a:rPr lang="es-ES"/>
               <a:t>Haga clic para modificar el estilo de título del patrón</a:t>
             </a:r>
-            <a:endParaRPr lang="es-ES"/>
           </a:p>
         </p:txBody>
       </p:sp>
@@ -3564,7 +3534,6 @@
               <a:rPr lang="es-ES"/>
               <a:t>Haga clic para modificar el estilo de título del patrón</a:t>
             </a:r>
-            <a:endParaRPr lang="es-ES"/>
           </a:p>
         </p:txBody>
       </p:sp>
@@ -3649,7 +3618,6 @@
               <a:rPr lang="es-ES"/>
               <a:t>Quinto nivel</a:t>
             </a:r>
-            <a:endParaRPr lang="es-ES"/>
           </a:p>
         </p:txBody>
       </p:sp>
@@ -3776,7 +3744,6 @@
               <a:rPr lang="es-ES"/>
               <a:t>Haga clic para modificar el estilo de título del patrón</a:t>
             </a:r>
-            <a:endParaRPr lang="es-ES"/>
           </a:p>
         </p:txBody>
       </p:sp>
@@ -5231,7 +5198,7 @@
           <a:graphicData uri="http://schemas.openxmlformats.org/presentationml/2006/ole">
             <mc:AlternateContent xmlns:mc="http://schemas.openxmlformats.org/markup-compatibility/2006">
               <mc:Choice xmlns:v="urn:schemas-microsoft-com:vml" Requires="v">
-                <p:oleObj spid="_x0000_s1030" r:id="rId4" imgW="1047896" imgH="1047896" progId="">
+                <p:oleObj spid="_x0000_s1032" r:id="rId4" imgW="1047896" imgH="1047896" progId="">
                   <p:embed/>
                 </p:oleObj>
               </mc:Choice>
@@ -8510,7 +8477,7 @@
       </p:sp>
       <p:pic>
         <p:nvPicPr>
-          <p:cNvPr id="26" name=""/>
+          <p:cNvPr id="26" name="Imagen 25"/>
           <p:cNvPicPr>
             <a:picLocks noChangeAspect="1"/>
           </p:cNvPicPr>
@@ -8542,7 +8509,7 @@
       </p:pic>
       <p:pic>
         <p:nvPicPr>
-          <p:cNvPr id="27" name=""/>
+          <p:cNvPr id="27" name="Imagen 26"/>
           <p:cNvPicPr>
             <a:picLocks noChangeAspect="1"/>
           </p:cNvPicPr>
@@ -8574,7 +8541,7 @@
       </p:pic>
       <p:pic>
         <p:nvPicPr>
-          <p:cNvPr id="28" name=""/>
+          <p:cNvPr id="28" name="Imagen 27"/>
           <p:cNvPicPr>
             <a:picLocks noChangeAspect="1"/>
           </p:cNvPicPr>
@@ -8786,7 +8753,7 @@
               <a:defRPr sz="2600"/>
             </a:pPr>
             <a:r>
-              <a:rPr lang="de-DE" sz="2600" b="0" i="0" u="none" strike="noStrike" baseline="0">
+              <a:rPr lang="de-DE" sz="2600" b="0" i="0" u="none" strike="noStrike" baseline="0" dirty="0">
                 <a:ln>
                   <a:noFill/>
                 </a:ln>
@@ -9563,7 +9530,7 @@
         </p:nvSpPr>
         <p:spPr>
           <a:xfrm>
-            <a:off x="10440000" y="22788000"/>
+            <a:off x="10423958" y="22804042"/>
             <a:ext cx="288000" cy="288000"/>
           </a:xfrm>
           <a:prstGeom prst="rect">
@@ -9687,7 +9654,7 @@
         </p:nvSpPr>
         <p:spPr>
           <a:xfrm>
-            <a:off x="3240000" y="21060000"/>
+            <a:off x="3240000" y="21027343"/>
             <a:ext cx="288000" cy="288000"/>
           </a:xfrm>
           <a:prstGeom prst="rect">
@@ -9811,7 +9778,7 @@
         </p:nvSpPr>
         <p:spPr>
           <a:xfrm>
-            <a:off x="2844000" y="24084000"/>
+            <a:off x="2844000" y="24100042"/>
             <a:ext cx="288000" cy="288000"/>
           </a:xfrm>
           <a:prstGeom prst="rect">

--- a/Organization/Poster Praktikum2.pptx
+++ b/Organization/Poster Praktikum2.pptx
@@ -5198,7 +5198,7 @@
           <a:graphicData uri="http://schemas.openxmlformats.org/presentationml/2006/ole">
             <mc:AlternateContent xmlns:mc="http://schemas.openxmlformats.org/markup-compatibility/2006">
               <mc:Choice xmlns:v="urn:schemas-microsoft-com:vml" Requires="v">
-                <p:oleObj spid="_x0000_s1032" r:id="rId4" imgW="1047896" imgH="1047896" progId="">
+                <p:oleObj spid="_x0000_s1036" r:id="rId4" imgW="1047896" imgH="1047896" progId="">
                   <p:embed/>
                 </p:oleObj>
               </mc:Choice>
@@ -5294,7 +5294,7 @@
                 <a:latin typeface="Times New Roman" pitchFamily="18"/>
                 <a:cs typeface="Times New Roman" pitchFamily="18"/>
               </a:rPr>
-              <a:t>The clever way to order</a:t>
+              <a:t>The smart way of drinking</a:t>
             </a:r>
           </a:p>
         </p:txBody>
@@ -6173,7 +6173,7 @@
               </a:defRPr>
             </a:pPr>
             <a:r>
-              <a:rPr lang="de-DE" sz="6600" b="0" i="0" u="none" strike="noStrike" baseline="0">
+              <a:rPr lang="de-DE" sz="6600" b="0" i="0" u="none" strike="noStrike" baseline="0" dirty="0">
                 <a:ln>
                   <a:noFill/>
                 </a:ln>
@@ -6187,7 +6187,7 @@
               <a:t>            </a:t>
             </a:r>
             <a:r>
-              <a:rPr lang="de-DE" sz="6600" b="1" i="0" u="sng" strike="noStrike" baseline="0">
+              <a:rPr lang="de-DE" sz="6600" b="1" i="0" u="sng" strike="noStrike" baseline="0" dirty="0">
                 <a:ln>
                   <a:noFill/>
                 </a:ln>
@@ -6229,7 +6229,7 @@
               </a:defRPr>
             </a:pPr>
             <a:r>
-              <a:rPr lang="de-DE" sz="4200" b="0" i="0" u="none" strike="noStrike" baseline="0">
+              <a:rPr lang="de-DE" sz="4200" b="0" i="0" u="none" strike="noStrike" baseline="0" dirty="0">
                 <a:ln>
                   <a:noFill/>
                 </a:ln>
@@ -6270,7 +6270,7 @@
               </a:defRPr>
             </a:pPr>
             <a:r>
-              <a:rPr lang="de-DE" sz="4200" b="0" i="0" u="none" strike="noStrike" baseline="0">
+              <a:rPr lang="de-DE" sz="4200" b="0" i="0" u="none" strike="noStrike" baseline="0" dirty="0">
                 <a:ln>
                   <a:noFill/>
                 </a:ln>
@@ -6311,7 +6311,7 @@
               </a:defRPr>
             </a:pPr>
             <a:r>
-              <a:rPr lang="de-DE" sz="4200" b="0" i="0" u="none" strike="noStrike" baseline="0">
+              <a:rPr lang="de-DE" sz="4200" b="0" i="0" u="none" strike="noStrike" baseline="0" dirty="0">
                 <a:ln>
                   <a:noFill/>
                 </a:ln>
@@ -6352,7 +6352,7 @@
               </a:defRPr>
             </a:pPr>
             <a:r>
-              <a:rPr lang="de-DE" sz="4200" b="0" i="0" u="none" strike="noStrike" baseline="0">
+              <a:rPr lang="de-DE" sz="4200" b="0" i="0" u="none" strike="noStrike" baseline="0" dirty="0">
                 <a:ln>
                   <a:noFill/>
                 </a:ln>
@@ -6363,7 +6363,7 @@
                 <a:ea typeface="Geneva" pitchFamily="50"/>
                 <a:cs typeface="Geneva" pitchFamily="50"/>
               </a:rPr>
-              <a:t>- Connection between taps and SmartMug for automated and exact measurement of the filling level</a:t>
+              <a:t>- Connection between taps and SmartMug for automated and exact meassuring of the filling level</a:t>
             </a:r>
           </a:p>
           <a:p>
@@ -6393,7 +6393,7 @@
               </a:defRPr>
             </a:pPr>
             <a:r>
-              <a:rPr lang="de-DE" sz="4200" b="0" i="0" u="none" strike="noStrike" baseline="0">
+              <a:rPr lang="de-DE" sz="4200" b="0" i="0" u="none" strike="noStrike" baseline="0" dirty="0">
                 <a:ln>
                   <a:noFill/>
                 </a:ln>
@@ -6433,7 +6433,7 @@
                 </a:solidFill>
               </a:defRPr>
             </a:pPr>
-            <a:endParaRPr lang="de-DE" sz="6600" b="0" i="0" u="none" strike="noStrike" baseline="0">
+            <a:endParaRPr lang="de-DE" sz="6600" b="0" i="0" u="none" strike="noStrike" baseline="0" dirty="0">
               <a:ln>
                 <a:noFill/>
               </a:ln>
@@ -7586,99 +7586,6 @@
           </a:ln>
         </p:spPr>
       </p:pic>
-      <p:pic>
-        <p:nvPicPr>
-          <p:cNvPr id="14" name="Imagen 3079"/>
-          <p:cNvPicPr>
-            <a:picLocks noChangeAspect="1"/>
-          </p:cNvPicPr>
-          <p:nvPr/>
-        </p:nvPicPr>
-        <p:blipFill>
-          <a:blip r:embed="rId8">
-            <a:lum/>
-            <a:alphaModFix/>
-          </a:blip>
-          <a:srcRect l="5420" t="5273" r="3995" b="1721"/>
-          <a:stretch>
-            <a:fillRect/>
-          </a:stretch>
-        </p:blipFill>
-        <p:spPr>
-          <a:xfrm>
-            <a:off x="17915040" y="21816000"/>
-            <a:ext cx="3180960" cy="5857560"/>
-          </a:xfrm>
-          <a:prstGeom prst="rect">
-            <a:avLst/>
-          </a:prstGeom>
-          <a:noFill/>
-          <a:ln>
-            <a:noFill/>
-          </a:ln>
-        </p:spPr>
-      </p:pic>
-      <p:sp>
-        <p:nvSpPr>
-          <p:cNvPr id="15" name="Conector recto 14"/>
-          <p:cNvSpPr/>
-          <p:nvPr/>
-        </p:nvSpPr>
-        <p:spPr>
-          <a:xfrm>
-            <a:off x="17640000" y="23040000"/>
-            <a:ext cx="648000" cy="432000"/>
-          </a:xfrm>
-          <a:prstGeom prst="line">
-            <a:avLst/>
-          </a:prstGeom>
-          <a:noFill/>
-          <a:ln w="36000">
-            <a:solidFill>
-              <a:srgbClr val="004A97"/>
-            </a:solidFill>
-            <a:prstDash val="solid"/>
-            <a:tailEnd type="arrow"/>
-          </a:ln>
-        </p:spPr>
-        <p:txBody>
-          <a:bodyPr vert="horz" wrap="none" lIns="108000" tIns="63000" rIns="108000" bIns="63000" anchor="ctr" anchorCtr="0" compatLnSpc="1"/>
-          <a:lstStyle/>
-          <a:p>
-            <a:pPr marL="0" marR="0" lvl="0" indent="0" algn="l" rtl="0" hangingPunct="1">
-              <a:lnSpc>
-                <a:spcPct val="100000"/>
-              </a:lnSpc>
-              <a:spcBef>
-                <a:spcPts val="0"/>
-              </a:spcBef>
-              <a:spcAft>
-                <a:spcPts val="0"/>
-              </a:spcAft>
-              <a:buNone/>
-              <a:tabLst>
-                <a:tab pos="0" algn="l"/>
-                <a:tab pos="2087280" algn="l"/>
-                <a:tab pos="4174920" algn="l"/>
-                <a:tab pos="6262560" algn="l"/>
-                <a:tab pos="8350200" algn="l"/>
-                <a:tab pos="10437480" algn="l"/>
-              </a:tabLst>
-            </a:pPr>
-            <a:endParaRPr lang="de-DE" sz="8200" b="0" i="0" u="none" strike="noStrike" baseline="0">
-              <a:ln>
-                <a:noFill/>
-              </a:ln>
-              <a:solidFill>
-                <a:srgbClr val="000000"/>
-              </a:solidFill>
-              <a:latin typeface="Arial" pitchFamily="18"/>
-              <a:ea typeface="Geneva" pitchFamily="50"/>
-              <a:cs typeface="Geneva" pitchFamily="50"/>
-            </a:endParaRPr>
-          </a:p>
-        </p:txBody>
-      </p:sp>
       <p:sp>
         <p:nvSpPr>
           <p:cNvPr id="16" name="Rectángulo 15"/>
@@ -7687,8 +7594,8 @@
         </p:nvSpPr>
         <p:spPr>
           <a:xfrm>
-            <a:off x="13824000" y="21473640"/>
-            <a:ext cx="3744000" cy="1742400"/>
+            <a:off x="13868662" y="24012000"/>
+            <a:ext cx="3564000" cy="1436040"/>
           </a:xfrm>
           <a:prstGeom prst="rect">
             <a:avLst/>
@@ -7729,7 +7636,7 @@
               <a:defRPr sz="2600"/>
             </a:pPr>
             <a:r>
-              <a:rPr lang="de-DE" sz="2600" b="0" i="0" u="none" strike="noStrike" baseline="0">
+              <a:rPr lang="de-DE" sz="2600" b="0" i="0" u="none" strike="noStrike" baseline="0" dirty="0">
                 <a:ln>
                   <a:noFill/>
                 </a:ln>
@@ -7740,7 +7647,7 @@
                 <a:ea typeface="Geneva" pitchFamily="50"/>
                 <a:cs typeface="Geneva" pitchFamily="50"/>
               </a:rPr>
-              <a:t>Connect to your</a:t>
+              <a:t>Connect to SmartMug</a:t>
             </a:r>
           </a:p>
           <a:p>
@@ -7766,7 +7673,7 @@
               <a:defRPr sz="2600"/>
             </a:pPr>
             <a:r>
-              <a:rPr lang="de-DE" sz="2600" b="0" i="0" u="none" strike="noStrike" baseline="0">
+              <a:rPr lang="de-DE" sz="2600" b="0" i="0" u="none" strike="noStrike" baseline="0" dirty="0">
                 <a:ln>
                   <a:noFill/>
                 </a:ln>
@@ -7777,7 +7684,7 @@
                 <a:ea typeface="Geneva" pitchFamily="50"/>
                 <a:cs typeface="Geneva" pitchFamily="50"/>
               </a:rPr>
-              <a:t>SmartMug via Bar Code</a:t>
+              <a:t>via Bar Code or by </a:t>
             </a:r>
           </a:p>
           <a:p>
@@ -7803,7 +7710,7 @@
               <a:defRPr sz="2600"/>
             </a:pPr>
             <a:r>
-              <a:rPr lang="de-DE" sz="2600" b="0" i="0" u="none" strike="noStrike" baseline="0">
+              <a:rPr lang="de-DE" sz="2600" b="0" i="0" u="none" strike="noStrike" baseline="0" dirty="0">
                 <a:ln>
                   <a:noFill/>
                 </a:ln>
@@ -7814,289 +7721,8 @@
                 <a:ea typeface="Geneva" pitchFamily="50"/>
                 <a:cs typeface="Geneva" pitchFamily="50"/>
               </a:rPr>
-              <a:t>or by entering</a:t>
-            </a:r>
-          </a:p>
-          <a:p>
-            <a:pPr marL="0" marR="0" lvl="0" indent="0" algn="l" rtl="0" hangingPunct="1">
-              <a:lnSpc>
-                <a:spcPct val="100000"/>
-              </a:lnSpc>
-              <a:spcBef>
-                <a:spcPts val="0"/>
-              </a:spcBef>
-              <a:spcAft>
-                <a:spcPts val="0"/>
-              </a:spcAft>
-              <a:buNone/>
-              <a:tabLst>
-                <a:tab pos="0" algn="l"/>
-                <a:tab pos="2087280" algn="l"/>
-                <a:tab pos="4174920" algn="l"/>
-                <a:tab pos="6262560" algn="l"/>
-                <a:tab pos="8350200" algn="l"/>
-                <a:tab pos="10437480" algn="l"/>
-              </a:tabLst>
-              <a:defRPr sz="2600"/>
-            </a:pPr>
-            <a:r>
-              <a:rPr lang="de-DE" sz="2600" b="0" i="0" u="none" strike="noStrike" baseline="0">
-                <a:ln>
-                  <a:noFill/>
-                </a:ln>
-                <a:solidFill>
-                  <a:srgbClr val="004A97"/>
-                </a:solidFill>
-                <a:latin typeface="Arial" pitchFamily="18"/>
-                <a:ea typeface="Geneva" pitchFamily="50"/>
-                <a:cs typeface="Geneva" pitchFamily="50"/>
-              </a:rPr>
-              <a:t>manuell the IP Adress</a:t>
-            </a:r>
-          </a:p>
-        </p:txBody>
-      </p:sp>
-      <p:sp>
-        <p:nvSpPr>
-          <p:cNvPr id="17" name="Conector recto 16"/>
-          <p:cNvSpPr/>
-          <p:nvPr/>
-        </p:nvSpPr>
-        <p:spPr>
-          <a:xfrm flipH="1" flipV="1">
-            <a:off x="20520000" y="24768000"/>
-            <a:ext cx="864000" cy="864000"/>
-          </a:xfrm>
-          <a:prstGeom prst="line">
-            <a:avLst/>
-          </a:prstGeom>
-          <a:noFill/>
-          <a:ln w="36000">
-            <a:solidFill>
-              <a:srgbClr val="004A97"/>
-            </a:solidFill>
-            <a:prstDash val="solid"/>
-            <a:tailEnd type="arrow"/>
-          </a:ln>
-        </p:spPr>
-        <p:txBody>
-          <a:bodyPr vert="horz" wrap="none" lIns="108000" tIns="63000" rIns="108000" bIns="63000" anchor="ctr" anchorCtr="0" compatLnSpc="1"/>
-          <a:lstStyle/>
-          <a:p>
-            <a:pPr marL="0" marR="0" lvl="0" indent="0" algn="l" rtl="0" hangingPunct="1">
-              <a:lnSpc>
-                <a:spcPct val="100000"/>
-              </a:lnSpc>
-              <a:spcBef>
-                <a:spcPts val="0"/>
-              </a:spcBef>
-              <a:spcAft>
-                <a:spcPts val="0"/>
-              </a:spcAft>
-              <a:buNone/>
-              <a:tabLst>
-                <a:tab pos="0" algn="l"/>
-                <a:tab pos="2087280" algn="l"/>
-                <a:tab pos="4174920" algn="l"/>
-                <a:tab pos="6262560" algn="l"/>
-                <a:tab pos="8350200" algn="l"/>
-                <a:tab pos="10437480" algn="l"/>
-              </a:tabLst>
-            </a:pPr>
-            <a:endParaRPr lang="de-DE" sz="8200" b="0" i="0" u="none" strike="noStrike" baseline="0">
-              <a:ln>
-                <a:noFill/>
-              </a:ln>
-              <a:solidFill>
-                <a:srgbClr val="000000"/>
-              </a:solidFill>
-              <a:latin typeface="Arial" pitchFamily="18"/>
-              <a:ea typeface="Geneva" pitchFamily="50"/>
-              <a:cs typeface="Geneva" pitchFamily="50"/>
-            </a:endParaRPr>
-          </a:p>
-        </p:txBody>
-      </p:sp>
-      <p:sp>
-        <p:nvSpPr>
-          <p:cNvPr id="18" name="Conector recto 17"/>
-          <p:cNvSpPr/>
-          <p:nvPr/>
-        </p:nvSpPr>
-        <p:spPr>
-          <a:xfrm flipH="1" flipV="1">
-            <a:off x="20520000" y="26135999"/>
-            <a:ext cx="792000" cy="864001"/>
-          </a:xfrm>
-          <a:prstGeom prst="line">
-            <a:avLst/>
-          </a:prstGeom>
-          <a:noFill/>
-          <a:ln w="36000">
-            <a:solidFill>
-              <a:srgbClr val="004A97"/>
-            </a:solidFill>
-            <a:prstDash val="solid"/>
-            <a:tailEnd type="arrow"/>
-          </a:ln>
-        </p:spPr>
-        <p:txBody>
-          <a:bodyPr vert="horz" wrap="none" lIns="108000" tIns="63000" rIns="108000" bIns="63000" anchor="ctr" anchorCtr="0" compatLnSpc="1"/>
-          <a:lstStyle/>
-          <a:p>
-            <a:pPr marL="0" marR="0" lvl="0" indent="0" algn="l" rtl="0" hangingPunct="1">
-              <a:lnSpc>
-                <a:spcPct val="100000"/>
-              </a:lnSpc>
-              <a:spcBef>
-                <a:spcPts val="0"/>
-              </a:spcBef>
-              <a:spcAft>
-                <a:spcPts val="0"/>
-              </a:spcAft>
-              <a:buNone/>
-              <a:tabLst>
-                <a:tab pos="0" algn="l"/>
-                <a:tab pos="2087280" algn="l"/>
-                <a:tab pos="4174920" algn="l"/>
-                <a:tab pos="6262560" algn="l"/>
-                <a:tab pos="8350200" algn="l"/>
-                <a:tab pos="10437480" algn="l"/>
-              </a:tabLst>
-            </a:pPr>
-            <a:endParaRPr lang="de-DE" sz="8200" b="0" i="0" u="none" strike="noStrike" baseline="0">
-              <a:ln>
-                <a:noFill/>
-              </a:ln>
-              <a:solidFill>
-                <a:srgbClr val="000000"/>
-              </a:solidFill>
-              <a:latin typeface="Arial" pitchFamily="18"/>
-              <a:ea typeface="Geneva" pitchFamily="50"/>
-              <a:cs typeface="Geneva" pitchFamily="50"/>
-            </a:endParaRPr>
-          </a:p>
-        </p:txBody>
-      </p:sp>
-      <p:sp>
-        <p:nvSpPr>
-          <p:cNvPr id="19" name="Conector recto 18"/>
-          <p:cNvSpPr/>
-          <p:nvPr/>
-        </p:nvSpPr>
-        <p:spPr>
-          <a:xfrm flipH="1">
-            <a:off x="20592000" y="23544000"/>
-            <a:ext cx="864000" cy="576000"/>
-          </a:xfrm>
-          <a:prstGeom prst="line">
-            <a:avLst/>
-          </a:prstGeom>
-          <a:noFill/>
-          <a:ln w="36000">
-            <a:solidFill>
-              <a:srgbClr val="004A97"/>
-            </a:solidFill>
-            <a:prstDash val="solid"/>
-            <a:tailEnd type="arrow"/>
-          </a:ln>
-        </p:spPr>
-        <p:txBody>
-          <a:bodyPr vert="horz" wrap="none" lIns="108000" tIns="63000" rIns="108000" bIns="63000" anchor="ctr" anchorCtr="0" compatLnSpc="1"/>
-          <a:lstStyle/>
-          <a:p>
-            <a:pPr marL="0" marR="0" lvl="0" indent="0" algn="l" rtl="0" hangingPunct="1">
-              <a:lnSpc>
-                <a:spcPct val="100000"/>
-              </a:lnSpc>
-              <a:spcBef>
-                <a:spcPts val="0"/>
-              </a:spcBef>
-              <a:spcAft>
-                <a:spcPts val="0"/>
-              </a:spcAft>
-              <a:buNone/>
-              <a:tabLst>
-                <a:tab pos="0" algn="l"/>
-                <a:tab pos="2087280" algn="l"/>
-                <a:tab pos="4174920" algn="l"/>
-                <a:tab pos="6262560" algn="l"/>
-                <a:tab pos="8350200" algn="l"/>
-                <a:tab pos="10437480" algn="l"/>
-              </a:tabLst>
-            </a:pPr>
-            <a:endParaRPr lang="de-DE" sz="8200" b="0" i="0" u="none" strike="noStrike" baseline="0">
-              <a:ln>
-                <a:noFill/>
-              </a:ln>
-              <a:solidFill>
-                <a:srgbClr val="000000"/>
-              </a:solidFill>
-              <a:latin typeface="Arial" pitchFamily="18"/>
-              <a:ea typeface="Geneva" pitchFamily="50"/>
-              <a:cs typeface="Geneva" pitchFamily="50"/>
-            </a:endParaRPr>
-          </a:p>
-        </p:txBody>
-      </p:sp>
-      <p:sp>
-        <p:nvSpPr>
-          <p:cNvPr id="20" name="Conector recto 19"/>
-          <p:cNvSpPr/>
-          <p:nvPr/>
-        </p:nvSpPr>
-        <p:spPr>
-          <a:xfrm>
-            <a:off x="17568000" y="24912000"/>
-            <a:ext cx="936000" cy="576000"/>
-          </a:xfrm>
-          <a:prstGeom prst="line">
-            <a:avLst/>
-          </a:prstGeom>
-          <a:noFill/>
-          <a:ln w="36000">
-            <a:solidFill>
-              <a:srgbClr val="004A97"/>
-            </a:solidFill>
-            <a:prstDash val="solid"/>
-            <a:tailEnd type="arrow"/>
-          </a:ln>
-        </p:spPr>
-        <p:txBody>
-          <a:bodyPr vert="horz" wrap="none" lIns="108000" tIns="63000" rIns="108000" bIns="63000" anchor="ctr" anchorCtr="0" compatLnSpc="1"/>
-          <a:lstStyle/>
-          <a:p>
-            <a:pPr marL="0" marR="0" lvl="0" indent="0" algn="l" rtl="0" hangingPunct="1">
-              <a:lnSpc>
-                <a:spcPct val="100000"/>
-              </a:lnSpc>
-              <a:spcBef>
-                <a:spcPts val="0"/>
-              </a:spcBef>
-              <a:spcAft>
-                <a:spcPts val="0"/>
-              </a:spcAft>
-              <a:buNone/>
-              <a:tabLst>
-                <a:tab pos="0" algn="l"/>
-                <a:tab pos="2087280" algn="l"/>
-                <a:tab pos="4174920" algn="l"/>
-                <a:tab pos="6262560" algn="l"/>
-                <a:tab pos="8350200" algn="l"/>
-                <a:tab pos="10437480" algn="l"/>
-              </a:tabLst>
-            </a:pPr>
-            <a:endParaRPr lang="de-DE" sz="8200" b="0" i="0" u="none" strike="noStrike" baseline="0">
-              <a:ln>
-                <a:noFill/>
-              </a:ln>
-              <a:solidFill>
-                <a:srgbClr val="000000"/>
-              </a:solidFill>
-              <a:latin typeface="Arial" pitchFamily="18"/>
-              <a:ea typeface="Geneva" pitchFamily="50"/>
-              <a:cs typeface="Geneva" pitchFamily="50"/>
-            </a:endParaRPr>
+              <a:t>entering the IP Adress</a:t>
+            </a:r>
           </a:p>
         </p:txBody>
       </p:sp>
@@ -8150,7 +7776,7 @@
               <a:defRPr sz="2600"/>
             </a:pPr>
             <a:r>
-              <a:rPr lang="de-DE" sz="2600" b="0" i="0" u="none" strike="noStrike" baseline="0">
+              <a:rPr lang="de-DE" sz="2600" b="0" i="0" u="none" strike="noStrike" baseline="0" dirty="0">
                 <a:ln>
                   <a:noFill/>
                 </a:ln>
@@ -8174,8 +7800,8 @@
         </p:nvSpPr>
         <p:spPr>
           <a:xfrm>
-            <a:off x="21384000" y="26784000"/>
-            <a:ext cx="3168000" cy="1007999"/>
+            <a:off x="21383999" y="26784000"/>
+            <a:ext cx="3240001" cy="640283"/>
           </a:xfrm>
           <a:prstGeom prst="rect">
             <a:avLst/>
@@ -8216,7 +7842,7 @@
               <a:defRPr sz="2600"/>
             </a:pPr>
             <a:r>
-              <a:rPr lang="de-DE" sz="2600" b="0" i="0" u="none" strike="noStrike" baseline="0">
+              <a:rPr lang="de-DE" sz="2600" b="0" i="0" u="none" strike="noStrike" baseline="0" dirty="0">
                 <a:ln>
                   <a:noFill/>
                 </a:ln>
@@ -8227,44 +7853,7 @@
                 <a:ea typeface="Geneva" pitchFamily="50"/>
                 <a:cs typeface="Geneva" pitchFamily="50"/>
               </a:rPr>
-              <a:t>Play some drinking</a:t>
-            </a:r>
-          </a:p>
-          <a:p>
-            <a:pPr marL="0" marR="0" lvl="0" indent="0" algn="l" rtl="0" hangingPunct="1">
-              <a:lnSpc>
-                <a:spcPct val="100000"/>
-              </a:lnSpc>
-              <a:spcBef>
-                <a:spcPts val="0"/>
-              </a:spcBef>
-              <a:spcAft>
-                <a:spcPts val="0"/>
-              </a:spcAft>
-              <a:buNone/>
-              <a:tabLst>
-                <a:tab pos="0" algn="l"/>
-                <a:tab pos="2087280" algn="l"/>
-                <a:tab pos="4174920" algn="l"/>
-                <a:tab pos="6262560" algn="l"/>
-                <a:tab pos="8350200" algn="l"/>
-                <a:tab pos="10437480" algn="l"/>
-              </a:tabLst>
-              <a:defRPr sz="2600"/>
-            </a:pPr>
-            <a:r>
-              <a:rPr lang="de-DE" sz="2600" b="0" i="0" u="none" strike="noStrike" baseline="0">
-                <a:ln>
-                  <a:noFill/>
-                </a:ln>
-                <a:solidFill>
-                  <a:srgbClr val="004A97"/>
-                </a:solidFill>
-                <a:latin typeface="Arial" pitchFamily="18"/>
-                <a:ea typeface="Geneva" pitchFamily="50"/>
-                <a:cs typeface="Geneva" pitchFamily="50"/>
-              </a:rPr>
-              <a:t>games</a:t>
+              <a:t>Play drinking games</a:t>
             </a:r>
           </a:p>
         </p:txBody>
@@ -8277,8 +7866,8 @@
         </p:nvSpPr>
         <p:spPr>
           <a:xfrm>
-            <a:off x="21384000" y="22464000"/>
-            <a:ext cx="3311999" cy="1007999"/>
+            <a:off x="21300956" y="22320000"/>
+            <a:ext cx="3583786" cy="1151999"/>
           </a:xfrm>
           <a:prstGeom prst="rect">
             <a:avLst/>
@@ -8319,7 +7908,7 @@
               <a:defRPr sz="2600"/>
             </a:pPr>
             <a:r>
-              <a:rPr lang="de-DE" sz="2600" b="0" i="0" u="none" strike="noStrike" baseline="0">
+              <a:rPr lang="de-DE" sz="2600" b="0" i="0" u="none" strike="noStrike" baseline="0" dirty="0">
                 <a:ln>
                   <a:noFill/>
                 </a:ln>
@@ -8330,7 +7919,7 @@
                 <a:ea typeface="Geneva" pitchFamily="50"/>
                 <a:cs typeface="Geneva" pitchFamily="50"/>
               </a:rPr>
-              <a:t>Display some</a:t>
+              <a:t>Display statistics</a:t>
             </a:r>
           </a:p>
           <a:p>
@@ -8356,10 +7945,7 @@
               <a:defRPr sz="2600"/>
             </a:pPr>
             <a:r>
-              <a:rPr lang="de-DE" sz="2600" b="0" i="0" u="none" strike="noStrike" baseline="0">
-                <a:ln>
-                  <a:noFill/>
-                </a:ln>
+              <a:rPr lang="de-DE" sz="2600" dirty="0">
                 <a:solidFill>
                   <a:srgbClr val="004A97"/>
                 </a:solidFill>
@@ -8367,8 +7953,19 @@
                 <a:ea typeface="Geneva" pitchFamily="50"/>
                 <a:cs typeface="Geneva" pitchFamily="50"/>
               </a:rPr>
-              <a:t>statistics like promile</a:t>
-            </a:r>
+              <a:t>e.g. Blood alcohol level</a:t>
+            </a:r>
+            <a:endParaRPr lang="de-DE" sz="2600" b="0" i="0" u="none" strike="noStrike" baseline="0" dirty="0">
+              <a:ln>
+                <a:noFill/>
+              </a:ln>
+              <a:solidFill>
+                <a:srgbClr val="004A97"/>
+              </a:solidFill>
+              <a:latin typeface="Arial" pitchFamily="18"/>
+              <a:ea typeface="Geneva" pitchFamily="50"/>
+              <a:cs typeface="Geneva" pitchFamily="50"/>
+            </a:endParaRPr>
           </a:p>
         </p:txBody>
       </p:sp>
@@ -8380,7 +7977,7 @@
         </p:nvSpPr>
         <p:spPr>
           <a:xfrm>
-            <a:off x="13680000" y="24066719"/>
+            <a:off x="13773580" y="26172000"/>
             <a:ext cx="3816000" cy="1007999"/>
           </a:xfrm>
           <a:prstGeom prst="rect">
@@ -8484,7 +8081,7 @@
           <p:nvPr/>
         </p:nvPicPr>
         <p:blipFill>
-          <a:blip r:embed="rId9">
+          <a:blip r:embed="rId8">
             <a:lum/>
             <a:alphaModFix/>
           </a:blip>
@@ -8516,7 +8113,7 @@
           <p:nvPr/>
         </p:nvPicPr>
         <p:blipFill>
-          <a:blip r:embed="rId10">
+          <a:blip r:embed="rId9">
             <a:lum/>
             <a:alphaModFix/>
           </a:blip>
@@ -8548,7 +8145,7 @@
           <p:nvPr/>
         </p:nvPicPr>
         <p:blipFill>
-          <a:blip r:embed="rId11">
+          <a:blip r:embed="rId10">
             <a:lum/>
             <a:alphaModFix/>
           </a:blip>
@@ -8778,7 +8375,7 @@
         <p:spPr>
           <a:xfrm>
             <a:off x="7848000" y="22680000"/>
-            <a:ext cx="3024000" cy="576000"/>
+            <a:ext cx="3149708" cy="576000"/>
           </a:xfrm>
           <a:prstGeom prst="rect">
             <a:avLst/>
@@ -8819,10 +8416,7 @@
               <a:defRPr sz="2600"/>
             </a:pPr>
             <a:r>
-              <a:rPr lang="de-DE" sz="2600" b="0" i="0" u="none" strike="noStrike" baseline="0">
-                <a:ln>
-                  <a:noFill/>
-                </a:ln>
+              <a:rPr lang="de-DE" sz="2600" dirty="0">
                 <a:solidFill>
                   <a:srgbClr val="004A97"/>
                 </a:solidFill>
@@ -8830,8 +8424,19 @@
                 <a:ea typeface="Geneva" pitchFamily="50"/>
                 <a:cs typeface="Geneva" pitchFamily="50"/>
               </a:rPr>
-              <a:t>Adafruit Huzzah</a:t>
-            </a:r>
+              <a:t>ESP8266 module</a:t>
+            </a:r>
+            <a:endParaRPr lang="de-DE" sz="2600" b="0" i="0" u="none" strike="noStrike" baseline="0" dirty="0">
+              <a:ln>
+                <a:noFill/>
+              </a:ln>
+              <a:solidFill>
+                <a:srgbClr val="004A97"/>
+              </a:solidFill>
+              <a:latin typeface="Arial" pitchFamily="18"/>
+              <a:ea typeface="Geneva" pitchFamily="50"/>
+              <a:cs typeface="Geneva" pitchFamily="50"/>
+            </a:endParaRPr>
           </a:p>
         </p:txBody>
       </p:sp>
@@ -9530,7 +9135,7 @@
         </p:nvSpPr>
         <p:spPr>
           <a:xfrm>
-            <a:off x="10423958" y="22804042"/>
+            <a:off x="10576358" y="22804042"/>
             <a:ext cx="288000" cy="288000"/>
           </a:xfrm>
           <a:prstGeom prst="rect">
@@ -10005,6 +9610,40 @@
           </a:p>
         </p:txBody>
       </p:sp>
+      <p:pic>
+        <p:nvPicPr>
+          <p:cNvPr id="51" name="Imagen 50"/>
+          <p:cNvPicPr>
+            <a:picLocks noChangeAspect="1"/>
+          </p:cNvPicPr>
+          <p:nvPr/>
+        </p:nvPicPr>
+        <p:blipFill rotWithShape="1">
+          <a:blip r:embed="rId11">
+            <a:clrChange>
+              <a:clrFrom>
+                <a:srgbClr val="808080"/>
+              </a:clrFrom>
+              <a:clrTo>
+                <a:srgbClr val="808080">
+                  <a:alpha val="0"/>
+                </a:srgbClr>
+              </a:clrTo>
+            </a:clrChange>
+          </a:blip>
+          <a:srcRect l="5658" t="5815" r="5696" b="838"/>
+          <a:stretch/>
+        </p:blipFill>
+        <p:spPr>
+          <a:xfrm>
+            <a:off x="17981324" y="21880285"/>
+            <a:ext cx="3010932" cy="5838093"/>
+          </a:xfrm>
+          <a:prstGeom prst="rect">
+            <a:avLst/>
+          </a:prstGeom>
+        </p:spPr>
+      </p:pic>
       <p:graphicFrame>
         <p:nvGraphicFramePr>
           <p:cNvPr id="25" name="Tabla 24"/>
@@ -10386,6 +10025,503 @@
           </a:graphicData>
         </a:graphic>
       </p:graphicFrame>
+      <p:sp>
+        <p:nvSpPr>
+          <p:cNvPr id="19" name="Conector recto 18"/>
+          <p:cNvSpPr/>
+          <p:nvPr/>
+        </p:nvSpPr>
+        <p:spPr>
+          <a:xfrm flipH="1">
+            <a:off x="20592000" y="22896001"/>
+            <a:ext cx="708956" cy="1224000"/>
+          </a:xfrm>
+          <a:prstGeom prst="line">
+            <a:avLst/>
+          </a:prstGeom>
+          <a:noFill/>
+          <a:ln w="36000">
+            <a:solidFill>
+              <a:srgbClr val="004A97"/>
+            </a:solidFill>
+            <a:prstDash val="solid"/>
+            <a:tailEnd type="arrow"/>
+          </a:ln>
+        </p:spPr>
+        <p:txBody>
+          <a:bodyPr vert="horz" wrap="none" lIns="108000" tIns="63000" rIns="108000" bIns="63000" anchor="ctr" anchorCtr="0" compatLnSpc="1"/>
+          <a:lstStyle/>
+          <a:p>
+            <a:pPr marL="0" marR="0" lvl="0" indent="0" algn="l" rtl="0" hangingPunct="1">
+              <a:lnSpc>
+                <a:spcPct val="100000"/>
+              </a:lnSpc>
+              <a:spcBef>
+                <a:spcPts val="0"/>
+              </a:spcBef>
+              <a:spcAft>
+                <a:spcPts val="0"/>
+              </a:spcAft>
+              <a:buNone/>
+              <a:tabLst>
+                <a:tab pos="0" algn="l"/>
+                <a:tab pos="2087280" algn="l"/>
+                <a:tab pos="4174920" algn="l"/>
+                <a:tab pos="6262560" algn="l"/>
+                <a:tab pos="8350200" algn="l"/>
+                <a:tab pos="10437480" algn="l"/>
+              </a:tabLst>
+            </a:pPr>
+            <a:endParaRPr lang="de-DE" sz="8200" b="0" i="0" u="none" strike="noStrike" baseline="0">
+              <a:ln>
+                <a:noFill/>
+              </a:ln>
+              <a:solidFill>
+                <a:srgbClr val="000000"/>
+              </a:solidFill>
+              <a:latin typeface="Arial" pitchFamily="18"/>
+              <a:ea typeface="Geneva" pitchFamily="50"/>
+              <a:cs typeface="Geneva" pitchFamily="50"/>
+            </a:endParaRPr>
+          </a:p>
+        </p:txBody>
+      </p:sp>
+      <p:sp>
+        <p:nvSpPr>
+          <p:cNvPr id="17" name="Conector recto 16"/>
+          <p:cNvSpPr/>
+          <p:nvPr/>
+        </p:nvSpPr>
+        <p:spPr>
+          <a:xfrm flipH="1" flipV="1">
+            <a:off x="20520000" y="24767999"/>
+            <a:ext cx="936000" cy="856284"/>
+          </a:xfrm>
+          <a:prstGeom prst="line">
+            <a:avLst/>
+          </a:prstGeom>
+          <a:noFill/>
+          <a:ln w="36000">
+            <a:solidFill>
+              <a:srgbClr val="004A97"/>
+            </a:solidFill>
+            <a:prstDash val="solid"/>
+            <a:tailEnd type="arrow"/>
+          </a:ln>
+        </p:spPr>
+        <p:txBody>
+          <a:bodyPr vert="horz" wrap="none" lIns="108000" tIns="63000" rIns="108000" bIns="63000" anchor="ctr" anchorCtr="0" compatLnSpc="1"/>
+          <a:lstStyle/>
+          <a:p>
+            <a:pPr marL="0" marR="0" lvl="0" indent="0" algn="l" rtl="0" hangingPunct="1">
+              <a:lnSpc>
+                <a:spcPct val="100000"/>
+              </a:lnSpc>
+              <a:spcBef>
+                <a:spcPts val="0"/>
+              </a:spcBef>
+              <a:spcAft>
+                <a:spcPts val="0"/>
+              </a:spcAft>
+              <a:buNone/>
+              <a:tabLst>
+                <a:tab pos="0" algn="l"/>
+                <a:tab pos="2087280" algn="l"/>
+                <a:tab pos="4174920" algn="l"/>
+                <a:tab pos="6262560" algn="l"/>
+                <a:tab pos="8350200" algn="l"/>
+                <a:tab pos="10437480" algn="l"/>
+              </a:tabLst>
+            </a:pPr>
+            <a:endParaRPr lang="de-DE" sz="8200" b="0" i="0" u="none" strike="noStrike" baseline="0">
+              <a:ln>
+                <a:noFill/>
+              </a:ln>
+              <a:solidFill>
+                <a:srgbClr val="000000"/>
+              </a:solidFill>
+              <a:latin typeface="Arial" pitchFamily="18"/>
+              <a:ea typeface="Geneva" pitchFamily="50"/>
+              <a:cs typeface="Geneva" pitchFamily="50"/>
+            </a:endParaRPr>
+          </a:p>
+        </p:txBody>
+      </p:sp>
+      <p:sp>
+        <p:nvSpPr>
+          <p:cNvPr id="15" name="Conector recto 14"/>
+          <p:cNvSpPr/>
+          <p:nvPr/>
+        </p:nvSpPr>
+        <p:spPr>
+          <a:xfrm flipV="1">
+            <a:off x="17432662" y="23472000"/>
+            <a:ext cx="855338" cy="1222378"/>
+          </a:xfrm>
+          <a:prstGeom prst="line">
+            <a:avLst/>
+          </a:prstGeom>
+          <a:noFill/>
+          <a:ln w="36000">
+            <a:solidFill>
+              <a:srgbClr val="004A97"/>
+            </a:solidFill>
+            <a:prstDash val="solid"/>
+            <a:tailEnd type="arrow"/>
+          </a:ln>
+        </p:spPr>
+        <p:txBody>
+          <a:bodyPr vert="horz" wrap="none" lIns="108000" tIns="63000" rIns="108000" bIns="63000" anchor="ctr" anchorCtr="0" compatLnSpc="1"/>
+          <a:lstStyle/>
+          <a:p>
+            <a:pPr marL="0" marR="0" lvl="0" indent="0" algn="l" rtl="0" hangingPunct="1">
+              <a:lnSpc>
+                <a:spcPct val="100000"/>
+              </a:lnSpc>
+              <a:spcBef>
+                <a:spcPts val="0"/>
+              </a:spcBef>
+              <a:spcAft>
+                <a:spcPts val="0"/>
+              </a:spcAft>
+              <a:buNone/>
+              <a:tabLst>
+                <a:tab pos="0" algn="l"/>
+                <a:tab pos="2087280" algn="l"/>
+                <a:tab pos="4174920" algn="l"/>
+                <a:tab pos="6262560" algn="l"/>
+                <a:tab pos="8350200" algn="l"/>
+                <a:tab pos="10437480" algn="l"/>
+              </a:tabLst>
+            </a:pPr>
+            <a:endParaRPr lang="de-DE" sz="8200" b="0" i="0" u="none" strike="noStrike" baseline="0">
+              <a:ln>
+                <a:noFill/>
+              </a:ln>
+              <a:solidFill>
+                <a:srgbClr val="000000"/>
+              </a:solidFill>
+              <a:latin typeface="Arial" pitchFamily="18"/>
+              <a:ea typeface="Geneva" pitchFamily="50"/>
+              <a:cs typeface="Geneva" pitchFamily="50"/>
+            </a:endParaRPr>
+          </a:p>
+        </p:txBody>
+      </p:sp>
+      <p:sp>
+        <p:nvSpPr>
+          <p:cNvPr id="20" name="Conector recto 19"/>
+          <p:cNvSpPr/>
+          <p:nvPr/>
+        </p:nvSpPr>
+        <p:spPr>
+          <a:xfrm flipV="1">
+            <a:off x="17621322" y="25487999"/>
+            <a:ext cx="882677" cy="1295999"/>
+          </a:xfrm>
+          <a:prstGeom prst="line">
+            <a:avLst/>
+          </a:prstGeom>
+          <a:noFill/>
+          <a:ln w="36000">
+            <a:solidFill>
+              <a:srgbClr val="004A97"/>
+            </a:solidFill>
+            <a:prstDash val="solid"/>
+            <a:tailEnd type="arrow"/>
+          </a:ln>
+        </p:spPr>
+        <p:txBody>
+          <a:bodyPr vert="horz" wrap="none" lIns="108000" tIns="63000" rIns="108000" bIns="63000" anchor="ctr" anchorCtr="0" compatLnSpc="1"/>
+          <a:lstStyle/>
+          <a:p>
+            <a:pPr marL="0" marR="0" lvl="0" indent="0" algn="l" rtl="0" hangingPunct="1">
+              <a:lnSpc>
+                <a:spcPct val="100000"/>
+              </a:lnSpc>
+              <a:spcBef>
+                <a:spcPts val="0"/>
+              </a:spcBef>
+              <a:spcAft>
+                <a:spcPts val="0"/>
+              </a:spcAft>
+              <a:buNone/>
+              <a:tabLst>
+                <a:tab pos="0" algn="l"/>
+                <a:tab pos="2087280" algn="l"/>
+                <a:tab pos="4174920" algn="l"/>
+                <a:tab pos="6262560" algn="l"/>
+                <a:tab pos="8350200" algn="l"/>
+                <a:tab pos="10437480" algn="l"/>
+              </a:tabLst>
+            </a:pPr>
+            <a:endParaRPr lang="de-DE" sz="8200" b="0" i="0" u="none" strike="noStrike" baseline="0">
+              <a:ln>
+                <a:noFill/>
+              </a:ln>
+              <a:solidFill>
+                <a:srgbClr val="000000"/>
+              </a:solidFill>
+              <a:latin typeface="Arial" pitchFamily="18"/>
+              <a:ea typeface="Geneva" pitchFamily="50"/>
+              <a:cs typeface="Geneva" pitchFamily="50"/>
+            </a:endParaRPr>
+          </a:p>
+        </p:txBody>
+      </p:sp>
+      <p:sp>
+        <p:nvSpPr>
+          <p:cNvPr id="52" name="Conector recto 51"/>
+          <p:cNvSpPr/>
+          <p:nvPr/>
+        </p:nvSpPr>
+        <p:spPr>
+          <a:xfrm>
+            <a:off x="16829903" y="22464000"/>
+            <a:ext cx="1320631" cy="554854"/>
+          </a:xfrm>
+          <a:prstGeom prst="line">
+            <a:avLst/>
+          </a:prstGeom>
+          <a:noFill/>
+          <a:ln w="36000">
+            <a:solidFill>
+              <a:srgbClr val="004A97"/>
+            </a:solidFill>
+            <a:prstDash val="solid"/>
+            <a:tailEnd type="arrow"/>
+          </a:ln>
+        </p:spPr>
+        <p:txBody>
+          <a:bodyPr vert="horz" wrap="none" lIns="108000" tIns="63000" rIns="108000" bIns="63000" anchor="ctr" anchorCtr="0" compatLnSpc="1"/>
+          <a:lstStyle/>
+          <a:p>
+            <a:pPr marL="0" marR="0" lvl="0" indent="0" algn="l" rtl="0" hangingPunct="1">
+              <a:lnSpc>
+                <a:spcPct val="100000"/>
+              </a:lnSpc>
+              <a:spcBef>
+                <a:spcPts val="0"/>
+              </a:spcBef>
+              <a:spcAft>
+                <a:spcPts val="0"/>
+              </a:spcAft>
+              <a:buNone/>
+              <a:tabLst>
+                <a:tab pos="0" algn="l"/>
+                <a:tab pos="2087280" algn="l"/>
+                <a:tab pos="4174920" algn="l"/>
+                <a:tab pos="6262560" algn="l"/>
+                <a:tab pos="8350200" algn="l"/>
+                <a:tab pos="10437480" algn="l"/>
+              </a:tabLst>
+            </a:pPr>
+            <a:endParaRPr lang="de-DE" sz="8200" b="0" i="0" u="none" strike="noStrike" baseline="0">
+              <a:ln>
+                <a:noFill/>
+              </a:ln>
+              <a:solidFill>
+                <a:srgbClr val="000000"/>
+              </a:solidFill>
+              <a:latin typeface="Arial" pitchFamily="18"/>
+              <a:ea typeface="Geneva" pitchFamily="50"/>
+              <a:cs typeface="Geneva" pitchFamily="50"/>
+            </a:endParaRPr>
+          </a:p>
+        </p:txBody>
+      </p:sp>
+      <p:sp>
+        <p:nvSpPr>
+          <p:cNvPr id="53" name="Rectángulo 52"/>
+          <p:cNvSpPr/>
+          <p:nvPr/>
+        </p:nvSpPr>
+        <p:spPr>
+          <a:xfrm>
+            <a:off x="14520193" y="22176000"/>
+            <a:ext cx="2309710" cy="584462"/>
+          </a:xfrm>
+          <a:prstGeom prst="rect">
+            <a:avLst/>
+          </a:prstGeom>
+          <a:solidFill>
+            <a:srgbClr val="FFFFFF"/>
+          </a:solidFill>
+          <a:ln w="72000">
+            <a:solidFill>
+              <a:srgbClr val="004A97"/>
+            </a:solidFill>
+            <a:prstDash val="solid"/>
+          </a:ln>
+        </p:spPr>
+        <p:txBody>
+          <a:bodyPr vert="horz" wrap="none" lIns="90000" tIns="82800" rIns="54000" bIns="46800" anchor="t" anchorCtr="0" compatLnSpc="1"/>
+          <a:lstStyle/>
+          <a:p>
+            <a:pPr marL="0" marR="0" lvl="0" indent="0" algn="l" rtl="0" hangingPunct="1">
+              <a:lnSpc>
+                <a:spcPct val="100000"/>
+              </a:lnSpc>
+              <a:spcBef>
+                <a:spcPts val="0"/>
+              </a:spcBef>
+              <a:spcAft>
+                <a:spcPts val="0"/>
+              </a:spcAft>
+              <a:buNone/>
+              <a:tabLst>
+                <a:tab pos="0" algn="l"/>
+                <a:tab pos="2087280" algn="l"/>
+                <a:tab pos="4174920" algn="l"/>
+                <a:tab pos="6262560" algn="l"/>
+                <a:tab pos="8350200" algn="l"/>
+                <a:tab pos="10437480" algn="l"/>
+              </a:tabLst>
+              <a:defRPr sz="2600"/>
+            </a:pPr>
+            <a:r>
+              <a:rPr lang="de-DE" sz="2600" b="0" i="0" u="none" strike="noStrike" baseline="0" dirty="0">
+                <a:ln>
+                  <a:noFill/>
+                </a:ln>
+                <a:solidFill>
+                  <a:srgbClr val="004A97"/>
+                </a:solidFill>
+                <a:latin typeface="Arial" pitchFamily="18"/>
+                <a:ea typeface="Geneva" pitchFamily="50"/>
+                <a:cs typeface="Geneva" pitchFamily="50"/>
+              </a:rPr>
+              <a:t>Glass fill level</a:t>
+            </a:r>
+          </a:p>
+          <a:p>
+            <a:pPr marL="0" marR="0" lvl="0" indent="0" algn="l" rtl="0" hangingPunct="1">
+              <a:lnSpc>
+                <a:spcPct val="100000"/>
+              </a:lnSpc>
+              <a:spcBef>
+                <a:spcPts val="0"/>
+              </a:spcBef>
+              <a:spcAft>
+                <a:spcPts val="0"/>
+              </a:spcAft>
+              <a:buNone/>
+              <a:tabLst>
+                <a:tab pos="0" algn="l"/>
+                <a:tab pos="2087280" algn="l"/>
+                <a:tab pos="4174920" algn="l"/>
+                <a:tab pos="6262560" algn="l"/>
+                <a:tab pos="8350200" algn="l"/>
+                <a:tab pos="10437480" algn="l"/>
+              </a:tabLst>
+              <a:defRPr sz="2600"/>
+            </a:pPr>
+            <a:endParaRPr lang="de-DE" sz="2600" dirty="0">
+              <a:solidFill>
+                <a:srgbClr val="004A97"/>
+              </a:solidFill>
+              <a:latin typeface="Arial" pitchFamily="18"/>
+              <a:ea typeface="Geneva" pitchFamily="50"/>
+              <a:cs typeface="Geneva" pitchFamily="50"/>
+            </a:endParaRPr>
+          </a:p>
+          <a:p>
+            <a:pPr marL="0" marR="0" lvl="0" indent="0" algn="l" rtl="0" hangingPunct="1">
+              <a:lnSpc>
+                <a:spcPct val="100000"/>
+              </a:lnSpc>
+              <a:spcBef>
+                <a:spcPts val="0"/>
+              </a:spcBef>
+              <a:spcAft>
+                <a:spcPts val="0"/>
+              </a:spcAft>
+              <a:buNone/>
+              <a:tabLst>
+                <a:tab pos="0" algn="l"/>
+                <a:tab pos="2087280" algn="l"/>
+                <a:tab pos="4174920" algn="l"/>
+                <a:tab pos="6262560" algn="l"/>
+                <a:tab pos="8350200" algn="l"/>
+                <a:tab pos="10437480" algn="l"/>
+              </a:tabLst>
+              <a:defRPr sz="2600"/>
+            </a:pPr>
+            <a:endParaRPr lang="de-DE" sz="2600" b="0" i="0" u="none" strike="noStrike" baseline="0" dirty="0">
+              <a:ln>
+                <a:noFill/>
+              </a:ln>
+              <a:solidFill>
+                <a:srgbClr val="004A97"/>
+              </a:solidFill>
+              <a:latin typeface="Arial" pitchFamily="18"/>
+              <a:ea typeface="Geneva" pitchFamily="50"/>
+              <a:cs typeface="Geneva" pitchFamily="50"/>
+            </a:endParaRPr>
+          </a:p>
+        </p:txBody>
+      </p:sp>
+      <p:sp>
+        <p:nvSpPr>
+          <p:cNvPr id="18" name="Conector recto 17"/>
+          <p:cNvSpPr/>
+          <p:nvPr/>
+        </p:nvSpPr>
+        <p:spPr>
+          <a:xfrm flipH="1" flipV="1">
+            <a:off x="20519998" y="26135997"/>
+            <a:ext cx="864000" cy="1044001"/>
+          </a:xfrm>
+          <a:prstGeom prst="line">
+            <a:avLst/>
+          </a:prstGeom>
+          <a:noFill/>
+          <a:ln w="36000">
+            <a:solidFill>
+              <a:srgbClr val="004A97"/>
+            </a:solidFill>
+            <a:prstDash val="solid"/>
+            <a:tailEnd type="arrow"/>
+          </a:ln>
+        </p:spPr>
+        <p:txBody>
+          <a:bodyPr vert="horz" wrap="none" lIns="108000" tIns="63000" rIns="108000" bIns="63000" anchor="ctr" anchorCtr="0" compatLnSpc="1"/>
+          <a:lstStyle/>
+          <a:p>
+            <a:pPr marL="0" marR="0" lvl="0" indent="0" algn="l" rtl="0" hangingPunct="1">
+              <a:lnSpc>
+                <a:spcPct val="100000"/>
+              </a:lnSpc>
+              <a:spcBef>
+                <a:spcPts val="0"/>
+              </a:spcBef>
+              <a:spcAft>
+                <a:spcPts val="0"/>
+              </a:spcAft>
+              <a:buNone/>
+              <a:tabLst>
+                <a:tab pos="0" algn="l"/>
+                <a:tab pos="2087280" algn="l"/>
+                <a:tab pos="4174920" algn="l"/>
+                <a:tab pos="6262560" algn="l"/>
+                <a:tab pos="8350200" algn="l"/>
+                <a:tab pos="10437480" algn="l"/>
+              </a:tabLst>
+            </a:pPr>
+            <a:endParaRPr lang="de-DE" sz="8200" b="0" i="0" u="none" strike="noStrike" baseline="0">
+              <a:ln>
+                <a:noFill/>
+              </a:ln>
+              <a:solidFill>
+                <a:srgbClr val="000000"/>
+              </a:solidFill>
+              <a:latin typeface="Arial" pitchFamily="18"/>
+              <a:ea typeface="Geneva" pitchFamily="50"/>
+              <a:cs typeface="Geneva" pitchFamily="50"/>
+            </a:endParaRPr>
+          </a:p>
+        </p:txBody>
+      </p:sp>
     </p:spTree>
   </p:cSld>
   <p:clrMapOvr>

--- a/Organization/Poster Praktikum2.pptx
+++ b/Organization/Poster Praktikum2.pptx
@@ -5198,7 +5198,7 @@
           <a:graphicData uri="http://schemas.openxmlformats.org/presentationml/2006/ole">
             <mc:AlternateContent xmlns:mc="http://schemas.openxmlformats.org/markup-compatibility/2006">
               <mc:Choice xmlns:v="urn:schemas-microsoft-com:vml" Requires="v">
-                <p:oleObj spid="_x0000_s1036" r:id="rId4" imgW="1047896" imgH="1047896" progId="">
+                <p:oleObj spid="_x0000_s1037" r:id="rId4" imgW="1047896" imgH="1047896" progId="">
                   <p:embed/>
                 </p:oleObj>
               </mc:Choice>
@@ -6619,7 +6619,7 @@
                 <a:ea typeface="Geneva" pitchFamily="50"/>
                 <a:cs typeface="Geneva" pitchFamily="50"/>
               </a:rPr>
-              <a:t>Andriod App: </a:t>
+              <a:t>Android App: </a:t>
             </a:r>
             <a:r>
               <a:rPr lang="de-DE" sz="4200" b="0" i="0" u="none" strike="noStrike" baseline="0" dirty="0">
@@ -7614,7 +7614,7 @@
           <a:bodyPr vert="horz" wrap="none" lIns="90000" tIns="82800" rIns="54000" bIns="46800" anchor="t" anchorCtr="0" compatLnSpc="1"/>
           <a:lstStyle/>
           <a:p>
-            <a:pPr marL="0" marR="0" lvl="0" indent="0" algn="l" rtl="0" hangingPunct="1">
+            <a:pPr marL="0" marR="0" lvl="0" indent="0" rtl="0" hangingPunct="1">
               <a:lnSpc>
                 <a:spcPct val="100000"/>
               </a:lnSpc>
@@ -7651,7 +7651,7 @@
             </a:r>
           </a:p>
           <a:p>
-            <a:pPr marL="0" marR="0" lvl="0" indent="0" algn="l" rtl="0" hangingPunct="1">
+            <a:pPr marL="0" marR="0" lvl="0" indent="0" rtl="0" hangingPunct="1">
               <a:lnSpc>
                 <a:spcPct val="100000"/>
               </a:lnSpc>
@@ -7688,7 +7688,7 @@
             </a:r>
           </a:p>
           <a:p>
-            <a:pPr marL="0" marR="0" lvl="0" indent="0" algn="l" rtl="0" hangingPunct="1">
+            <a:pPr marL="0" marR="0" lvl="0" indent="0" rtl="0" hangingPunct="1">
               <a:lnSpc>
                 <a:spcPct val="100000"/>
               </a:lnSpc>
@@ -8019,7 +8019,7 @@
               <a:defRPr sz="2600"/>
             </a:pPr>
             <a:r>
-              <a:rPr lang="de-DE" sz="2600" b="0" i="0" u="none" strike="noStrike" baseline="0">
+              <a:rPr lang="de-DE" sz="2600" b="0" i="0" u="none" strike="noStrike" baseline="0" dirty="0">
                 <a:ln>
                   <a:noFill/>
                 </a:ln>
@@ -8030,7 +8030,7 @@
                 <a:ea typeface="Geneva" pitchFamily="50"/>
                 <a:cs typeface="Geneva" pitchFamily="50"/>
               </a:rPr>
-              <a:t>Enter your personal Data</a:t>
+              <a:t>Enter your personal data</a:t>
             </a:r>
           </a:p>
           <a:p>
@@ -8056,7 +8056,7 @@
               <a:defRPr sz="2600"/>
             </a:pPr>
             <a:r>
-              <a:rPr lang="de-DE" sz="2600" b="0" i="0" u="none" strike="noStrike" baseline="0">
+              <a:rPr lang="de-DE" sz="2600" b="0" i="0" u="none" strike="noStrike" baseline="0" dirty="0">
                 <a:ln>
                   <a:noFill/>
                 </a:ln>
